--- a/Class-08 Google A2A  Agent to Agent Communication & Development, Protoyping, Production using DACA/OpenAI Agents SDK - Open Source.pptx
+++ b/Class-08 Google A2A  Agent to Agent Communication & Development, Protoyping, Production using DACA/OpenAI Agents SDK - Open Source.pptx
@@ -117,6 +117,12 @@
     <p:sldId id="367" r:id="rId111"/>
     <p:sldId id="368" r:id="rId112"/>
     <p:sldId id="369" r:id="rId113"/>
+    <p:sldId id="370" r:id="rId114"/>
+    <p:sldId id="371" r:id="rId115"/>
+    <p:sldId id="372" r:id="rId116"/>
+    <p:sldId id="373" r:id="rId117"/>
+    <p:sldId id="374" r:id="rId118"/>
+    <p:sldId id="375" r:id="rId119"/>
   </p:sldIdLst>
   <p:sldSz cx="12192000" cy="6858000"/>
   <p:notesSz cx="6858000" cy="9144000"/>
@@ -368,6 +374,12 @@
             <p14:sldId id="367"/>
             <p14:sldId id="368"/>
             <p14:sldId id="369"/>
+            <p14:sldId id="370"/>
+            <p14:sldId id="371"/>
+            <p14:sldId id="372"/>
+            <p14:sldId id="373"/>
+            <p14:sldId id="374"/>
+            <p14:sldId id="375"/>
           </p14:sldIdLst>
         </p14:section>
       </p14:sectionLst>
@@ -620,7 +632,7 @@
           <a:p>
             <a:fld id="{BBBE4AF5-B231-41C3-ACE6-ADCFA8678D5A}" type="datetimeFigureOut">
               <a:rPr lang="en-PK" smtClean="0"/>
-              <a:t>03/07/2025</a:t>
+              <a:t>04/07/2025</a:t>
             </a:fld>
             <a:endParaRPr lang="en-PK"/>
           </a:p>
@@ -820,7 +832,7 @@
           <a:p>
             <a:fld id="{BBBE4AF5-B231-41C3-ACE6-ADCFA8678D5A}" type="datetimeFigureOut">
               <a:rPr lang="en-PK" smtClean="0"/>
-              <a:t>03/07/2025</a:t>
+              <a:t>04/07/2025</a:t>
             </a:fld>
             <a:endParaRPr lang="en-PK"/>
           </a:p>
@@ -1030,7 +1042,7 @@
           <a:p>
             <a:fld id="{BBBE4AF5-B231-41C3-ACE6-ADCFA8678D5A}" type="datetimeFigureOut">
               <a:rPr lang="en-PK" smtClean="0"/>
-              <a:t>03/07/2025</a:t>
+              <a:t>04/07/2025</a:t>
             </a:fld>
             <a:endParaRPr lang="en-PK"/>
           </a:p>
@@ -1230,7 +1242,7 @@
           <a:p>
             <a:fld id="{BBBE4AF5-B231-41C3-ACE6-ADCFA8678D5A}" type="datetimeFigureOut">
               <a:rPr lang="en-PK" smtClean="0"/>
-              <a:t>03/07/2025</a:t>
+              <a:t>04/07/2025</a:t>
             </a:fld>
             <a:endParaRPr lang="en-PK"/>
           </a:p>
@@ -1506,7 +1518,7 @@
           <a:p>
             <a:fld id="{BBBE4AF5-B231-41C3-ACE6-ADCFA8678D5A}" type="datetimeFigureOut">
               <a:rPr lang="en-PK" smtClean="0"/>
-              <a:t>03/07/2025</a:t>
+              <a:t>04/07/2025</a:t>
             </a:fld>
             <a:endParaRPr lang="en-PK"/>
           </a:p>
@@ -1774,7 +1786,7 @@
           <a:p>
             <a:fld id="{BBBE4AF5-B231-41C3-ACE6-ADCFA8678D5A}" type="datetimeFigureOut">
               <a:rPr lang="en-PK" smtClean="0"/>
-              <a:t>03/07/2025</a:t>
+              <a:t>04/07/2025</a:t>
             </a:fld>
             <a:endParaRPr lang="en-PK"/>
           </a:p>
@@ -2189,7 +2201,7 @@
           <a:p>
             <a:fld id="{BBBE4AF5-B231-41C3-ACE6-ADCFA8678D5A}" type="datetimeFigureOut">
               <a:rPr lang="en-PK" smtClean="0"/>
-              <a:t>03/07/2025</a:t>
+              <a:t>04/07/2025</a:t>
             </a:fld>
             <a:endParaRPr lang="en-PK"/>
           </a:p>
@@ -2331,7 +2343,7 @@
           <a:p>
             <a:fld id="{BBBE4AF5-B231-41C3-ACE6-ADCFA8678D5A}" type="datetimeFigureOut">
               <a:rPr lang="en-PK" smtClean="0"/>
-              <a:t>03/07/2025</a:t>
+              <a:t>04/07/2025</a:t>
             </a:fld>
             <a:endParaRPr lang="en-PK"/>
           </a:p>
@@ -2444,7 +2456,7 @@
           <a:p>
             <a:fld id="{BBBE4AF5-B231-41C3-ACE6-ADCFA8678D5A}" type="datetimeFigureOut">
               <a:rPr lang="en-PK" smtClean="0"/>
-              <a:t>03/07/2025</a:t>
+              <a:t>04/07/2025</a:t>
             </a:fld>
             <a:endParaRPr lang="en-PK"/>
           </a:p>
@@ -2757,7 +2769,7 @@
           <a:p>
             <a:fld id="{BBBE4AF5-B231-41C3-ACE6-ADCFA8678D5A}" type="datetimeFigureOut">
               <a:rPr lang="en-PK" smtClean="0"/>
-              <a:t>03/07/2025</a:t>
+              <a:t>04/07/2025</a:t>
             </a:fld>
             <a:endParaRPr lang="en-PK"/>
           </a:p>
@@ -3046,7 +3058,7 @@
           <a:p>
             <a:fld id="{BBBE4AF5-B231-41C3-ACE6-ADCFA8678D5A}" type="datetimeFigureOut">
               <a:rPr lang="en-PK" smtClean="0"/>
-              <a:t>03/07/2025</a:t>
+              <a:t>04/07/2025</a:t>
             </a:fld>
             <a:endParaRPr lang="en-PK"/>
           </a:p>
@@ -3289,7 +3301,7 @@
           <a:p>
             <a:fld id="{BBBE4AF5-B231-41C3-ACE6-ADCFA8678D5A}" type="datetimeFigureOut">
               <a:rPr lang="en-PK" smtClean="0"/>
-              <a:t>03/07/2025</a:t>
+              <a:t>04/07/2025</a:t>
             </a:fld>
             <a:endParaRPr lang="en-PK"/>
           </a:p>
@@ -6490,11 +6502,11 @@
           </a:p>
           <a:p>
             <a:r>
-              <a:rPr lang="en-US" b="1"/>
+              <a:rPr lang="en-US" b="1" dirty="0"/>
               <a:t>Goal</a:t>
             </a:r>
             <a:r>
-              <a:rPr lang="en-US"/>
+              <a:rPr lang="en-US" dirty="0"/>
               <a:t>: Rapid iteration with production-like features.</a:t>
             </a:r>
           </a:p>
@@ -6507,6 +6519,1685 @@
     <p:extLst>
       <p:ext uri="{BB962C8B-B14F-4D97-AF65-F5344CB8AC3E}">
         <p14:creationId xmlns:p14="http://schemas.microsoft.com/office/powerpoint/2010/main" val="3303836709"/>
+      </p:ext>
+    </p:extLst>
+  </p:cSld>
+  <p:clrMapOvr>
+    <a:masterClrMapping/>
+  </p:clrMapOvr>
+</p:sld>
+</file>
+
+<file path=ppt/slides/slide113.xml><?xml version="1.0" encoding="utf-8"?>
+<p:sld xmlns:a="http://schemas.openxmlformats.org/drawingml/2006/main" xmlns:r="http://schemas.openxmlformats.org/officeDocument/2006/relationships" xmlns:p="http://schemas.openxmlformats.org/presentationml/2006/main">
+  <p:cSld>
+    <p:spTree>
+      <p:nvGrpSpPr>
+        <p:cNvPr id="1" name="">
+          <a:extLst>
+            <a:ext uri="{FF2B5EF4-FFF2-40B4-BE49-F238E27FC236}">
+              <a16:creationId xmlns:a16="http://schemas.microsoft.com/office/drawing/2014/main" id="{A833E0E8-421F-4232-1DC1-524C4F590C82}"/>
+            </a:ext>
+          </a:extLst>
+        </p:cNvPr>
+        <p:cNvGrpSpPr/>
+        <p:nvPr/>
+      </p:nvGrpSpPr>
+      <p:grpSpPr>
+        <a:xfrm>
+          <a:off x="0" y="0"/>
+          <a:ext cx="0" cy="0"/>
+          <a:chOff x="0" y="0"/>
+          <a:chExt cx="0" cy="0"/>
+        </a:xfrm>
+      </p:grpSpPr>
+      <p:sp>
+        <p:nvSpPr>
+          <p:cNvPr id="2" name="Title 1">
+            <a:extLst>
+              <a:ext uri="{FF2B5EF4-FFF2-40B4-BE49-F238E27FC236}">
+                <a16:creationId xmlns:a16="http://schemas.microsoft.com/office/drawing/2014/main" id="{890B6556-FF81-23EB-D5DC-2BA5E3729ACA}"/>
+              </a:ext>
+            </a:extLst>
+          </p:cNvPr>
+          <p:cNvSpPr>
+            <a:spLocks noGrp="1"/>
+          </p:cNvSpPr>
+          <p:nvPr>
+            <p:ph type="title"/>
+          </p:nvPr>
+        </p:nvSpPr>
+        <p:spPr>
+          <a:xfrm>
+            <a:off x="838200" y="365125"/>
+            <a:ext cx="10515600" cy="916919"/>
+          </a:xfrm>
+        </p:spPr>
+        <p:txBody>
+          <a:bodyPr>
+            <a:noAutofit/>
+          </a:bodyPr>
+          <a:lstStyle/>
+          <a:p>
+            <a:r>
+              <a:rPr lang="en-US" b="1" dirty="0"/>
+              <a:t>DACA Deployment Stages: The Ascent</a:t>
+            </a:r>
+          </a:p>
+        </p:txBody>
+      </p:sp>
+      <p:sp>
+        <p:nvSpPr>
+          <p:cNvPr id="5" name="Content Placeholder 4">
+            <a:extLst>
+              <a:ext uri="{FF2B5EF4-FFF2-40B4-BE49-F238E27FC236}">
+                <a16:creationId xmlns:a16="http://schemas.microsoft.com/office/drawing/2014/main" id="{AF832394-F25F-A3CC-E13F-EAFB241650CE}"/>
+              </a:ext>
+            </a:extLst>
+          </p:cNvPr>
+          <p:cNvSpPr>
+            <a:spLocks noGrp="1"/>
+          </p:cNvSpPr>
+          <p:nvPr>
+            <p:ph idx="1"/>
+          </p:nvPr>
+        </p:nvSpPr>
+        <p:spPr>
+          <a:xfrm>
+            <a:off x="838200" y="1282044"/>
+            <a:ext cx="10515600" cy="4894919"/>
+          </a:xfrm>
+        </p:spPr>
+        <p:txBody>
+          <a:bodyPr>
+            <a:normAutofit/>
+          </a:bodyPr>
+          <a:lstStyle/>
+          <a:p>
+            <a:pPr marL="0" indent="0">
+              <a:spcAft>
+                <a:spcPts val="1200"/>
+              </a:spcAft>
+              <a:buNone/>
+            </a:pPr>
+            <a:r>
+              <a:rPr lang="en-US" b="1" dirty="0">
+                <a:solidFill>
+                  <a:srgbClr val="C00000"/>
+                </a:solidFill>
+              </a:rPr>
+              <a:t>1. Local Development: Open-Source Stack (</a:t>
+            </a:r>
+            <a:r>
+              <a:rPr lang="en-US" sz="3200" b="1" i="0" dirty="0">
+                <a:solidFill>
+                  <a:srgbClr val="C00000"/>
+                </a:solidFill>
+                <a:effectLst/>
+                <a:latin typeface="-apple-system"/>
+              </a:rPr>
+              <a:t>Discussion</a:t>
+            </a:r>
+            <a:r>
+              <a:rPr lang="en-US" sz="3600" b="1" i="0" dirty="0">
+                <a:solidFill>
+                  <a:srgbClr val="C00000"/>
+                </a:solidFill>
+                <a:effectLst/>
+                <a:latin typeface="-apple-system"/>
+              </a:rPr>
+              <a:t>:)</a:t>
+            </a:r>
+          </a:p>
+          <a:p>
+            <a:r>
+              <a:rPr lang="en-US" dirty="0"/>
+              <a:t>Now what can we do? Your container is running in which you have your </a:t>
+            </a:r>
+            <a:r>
+              <a:rPr lang="en-US" dirty="0" err="1"/>
+              <a:t>FastAPI</a:t>
+            </a:r>
+            <a:r>
+              <a:rPr lang="en-US" dirty="0"/>
+              <a:t> and agent code, same as you have another container having both are running, both container communicating with each other using </a:t>
+            </a:r>
+            <a:r>
+              <a:rPr lang="en-US" dirty="0" err="1"/>
+              <a:t>Dapr</a:t>
+            </a:r>
+            <a:r>
+              <a:rPr lang="en-US" dirty="0"/>
+              <a:t> and in between Rapid MQ as well, then you need database as well, considering these scenarios, you have 2 ways for local development.</a:t>
+            </a:r>
+          </a:p>
+          <a:p>
+            <a:pPr lvl="1"/>
+            <a:r>
+              <a:rPr lang="en-US" dirty="0"/>
+              <a:t>Docker compose: Run the agent app, </a:t>
+            </a:r>
+            <a:r>
+              <a:rPr lang="en-US" dirty="0" err="1"/>
+              <a:t>Dapr</a:t>
+            </a:r>
+            <a:r>
+              <a:rPr lang="en-US" dirty="0"/>
+              <a:t> sidecar, A2A endpoints and local services (Old suggestion – Apr 2025)</a:t>
+            </a:r>
+          </a:p>
+          <a:p>
+            <a:pPr lvl="1"/>
+            <a:r>
+              <a:rPr lang="en-US" b="1" dirty="0"/>
+              <a:t>Rancher Desktop with Lens</a:t>
+            </a:r>
+            <a:r>
+              <a:rPr lang="en-US" dirty="0"/>
+              <a:t>: Runs the agent app, </a:t>
+            </a:r>
+            <a:r>
+              <a:rPr lang="en-US" dirty="0" err="1"/>
+              <a:t>Dapr</a:t>
+            </a:r>
+            <a:r>
+              <a:rPr lang="en-US" dirty="0"/>
+              <a:t> sidecar, A2A endpoints and local services on local Kubernetes. (Newly </a:t>
+            </a:r>
+            <a:r>
+              <a:rPr lang="en-US" dirty="0" err="1"/>
+              <a:t>sugguested</a:t>
+            </a:r>
+            <a:r>
+              <a:rPr lang="en-US" dirty="0"/>
+              <a:t> – July 2025)</a:t>
+            </a:r>
+          </a:p>
+          <a:p>
+            <a:endParaRPr lang="en-US" sz="2400" dirty="0"/>
+          </a:p>
+        </p:txBody>
+      </p:sp>
+    </p:spTree>
+    <p:extLst>
+      <p:ext uri="{BB962C8B-B14F-4D97-AF65-F5344CB8AC3E}">
+        <p14:creationId xmlns:p14="http://schemas.microsoft.com/office/powerpoint/2010/main" val="86877"/>
+      </p:ext>
+    </p:extLst>
+  </p:cSld>
+  <p:clrMapOvr>
+    <a:masterClrMapping/>
+  </p:clrMapOvr>
+</p:sld>
+</file>
+
+<file path=ppt/slides/slide114.xml><?xml version="1.0" encoding="utf-8"?>
+<p:sld xmlns:a="http://schemas.openxmlformats.org/drawingml/2006/main" xmlns:r="http://schemas.openxmlformats.org/officeDocument/2006/relationships" xmlns:p="http://schemas.openxmlformats.org/presentationml/2006/main">
+  <p:cSld>
+    <p:spTree>
+      <p:nvGrpSpPr>
+        <p:cNvPr id="1" name="">
+          <a:extLst>
+            <a:ext uri="{FF2B5EF4-FFF2-40B4-BE49-F238E27FC236}">
+              <a16:creationId xmlns:a16="http://schemas.microsoft.com/office/drawing/2014/main" id="{03B11281-EFCA-B3F3-5200-A4B90E9674FA}"/>
+            </a:ext>
+          </a:extLst>
+        </p:cNvPr>
+        <p:cNvGrpSpPr/>
+        <p:nvPr/>
+      </p:nvGrpSpPr>
+      <p:grpSpPr>
+        <a:xfrm>
+          <a:off x="0" y="0"/>
+          <a:ext cx="0" cy="0"/>
+          <a:chOff x="0" y="0"/>
+          <a:chExt cx="0" cy="0"/>
+        </a:xfrm>
+      </p:grpSpPr>
+      <p:sp>
+        <p:nvSpPr>
+          <p:cNvPr id="2" name="Title 1">
+            <a:extLst>
+              <a:ext uri="{FF2B5EF4-FFF2-40B4-BE49-F238E27FC236}">
+                <a16:creationId xmlns:a16="http://schemas.microsoft.com/office/drawing/2014/main" id="{5C237FCD-1A95-A543-B883-6AC4E36F93CA}"/>
+              </a:ext>
+            </a:extLst>
+          </p:cNvPr>
+          <p:cNvSpPr>
+            <a:spLocks noGrp="1"/>
+          </p:cNvSpPr>
+          <p:nvPr>
+            <p:ph type="title"/>
+          </p:nvPr>
+        </p:nvSpPr>
+        <p:spPr>
+          <a:xfrm>
+            <a:off x="838200" y="365125"/>
+            <a:ext cx="10515600" cy="916919"/>
+          </a:xfrm>
+        </p:spPr>
+        <p:txBody>
+          <a:bodyPr>
+            <a:noAutofit/>
+          </a:bodyPr>
+          <a:lstStyle/>
+          <a:p>
+            <a:r>
+              <a:rPr lang="en-US" b="1" dirty="0"/>
+              <a:t>DACA Deployment Stages: The Ascent</a:t>
+            </a:r>
+          </a:p>
+        </p:txBody>
+      </p:sp>
+      <p:sp>
+        <p:nvSpPr>
+          <p:cNvPr id="5" name="Content Placeholder 4">
+            <a:extLst>
+              <a:ext uri="{FF2B5EF4-FFF2-40B4-BE49-F238E27FC236}">
+                <a16:creationId xmlns:a16="http://schemas.microsoft.com/office/drawing/2014/main" id="{9019E92B-C5B8-3F9D-D1F6-F3F4AC5DF945}"/>
+              </a:ext>
+            </a:extLst>
+          </p:cNvPr>
+          <p:cNvSpPr>
+            <a:spLocks noGrp="1"/>
+          </p:cNvSpPr>
+          <p:nvPr>
+            <p:ph idx="1"/>
+          </p:nvPr>
+        </p:nvSpPr>
+        <p:spPr>
+          <a:xfrm>
+            <a:off x="838200" y="1282044"/>
+            <a:ext cx="10515600" cy="4894919"/>
+          </a:xfrm>
+        </p:spPr>
+        <p:txBody>
+          <a:bodyPr>
+            <a:normAutofit/>
+          </a:bodyPr>
+          <a:lstStyle/>
+          <a:p>
+            <a:pPr marL="0" indent="0">
+              <a:spcAft>
+                <a:spcPts val="1200"/>
+              </a:spcAft>
+              <a:buNone/>
+            </a:pPr>
+            <a:r>
+              <a:rPr lang="en-US" b="1" dirty="0">
+                <a:solidFill>
+                  <a:srgbClr val="C00000"/>
+                </a:solidFill>
+              </a:rPr>
+              <a:t>2. Prototyping: Free Deployment (</a:t>
+            </a:r>
+            <a:r>
+              <a:rPr lang="en-US" sz="3200" b="1" i="0" dirty="0">
+                <a:solidFill>
+                  <a:srgbClr val="C00000"/>
+                </a:solidFill>
+                <a:effectLst/>
+                <a:latin typeface="-apple-system"/>
+              </a:rPr>
+              <a:t>Discussion</a:t>
+            </a:r>
+            <a:r>
+              <a:rPr lang="en-US" sz="3600" b="1" i="0" dirty="0">
+                <a:solidFill>
+                  <a:srgbClr val="C00000"/>
+                </a:solidFill>
+                <a:effectLst/>
+                <a:latin typeface="-apple-system"/>
+              </a:rPr>
+              <a:t>:)</a:t>
+            </a:r>
+          </a:p>
+          <a:p>
+            <a:r>
+              <a:rPr lang="en-US" dirty="0"/>
+              <a:t>For prototyping, like to show your work to customer or friend and for testing, you need free deployment service, go to Hugging face docker spaces.</a:t>
+            </a:r>
+          </a:p>
+          <a:p>
+            <a:r>
+              <a:rPr lang="en-US" dirty="0"/>
+              <a:t>Hugging Face Spaces offers the ability to host custom applications using Docker containers, known as </a:t>
+            </a:r>
+            <a:r>
+              <a:rPr lang="en-US" b="1" dirty="0"/>
+              <a:t>Docker Spaces</a:t>
+            </a:r>
+            <a:r>
+              <a:rPr lang="en-US" dirty="0"/>
+              <a:t>. This feature allows users to deploy machine learning demos and applications that go beyond the capabilities of the default </a:t>
+            </a:r>
+            <a:r>
+              <a:rPr lang="en-US" dirty="0" err="1"/>
+              <a:t>Streamlit</a:t>
+            </a:r>
+            <a:r>
+              <a:rPr lang="en-US" dirty="0"/>
+              <a:t> and </a:t>
+            </a:r>
+            <a:r>
+              <a:rPr lang="en-US" dirty="0" err="1"/>
+              <a:t>Gradio</a:t>
+            </a:r>
+            <a:r>
+              <a:rPr lang="en-US" dirty="0"/>
+              <a:t> SDKs provided by Hugging Face.</a:t>
+            </a:r>
+          </a:p>
+          <a:p>
+            <a:r>
+              <a:rPr lang="en-US" dirty="0">
+                <a:hlinkClick r:id="rId2"/>
+              </a:rPr>
+              <a:t>https://huggingface.co/docs/hub/en/spaces-sdks-docker</a:t>
+            </a:r>
+            <a:r>
+              <a:rPr lang="en-US" dirty="0"/>
+              <a:t> </a:t>
+            </a:r>
+          </a:p>
+          <a:p>
+            <a:endParaRPr lang="en-US" dirty="0"/>
+          </a:p>
+          <a:p>
+            <a:endParaRPr lang="en-US" sz="2400" dirty="0"/>
+          </a:p>
+        </p:txBody>
+      </p:sp>
+    </p:spTree>
+    <p:extLst>
+      <p:ext uri="{BB962C8B-B14F-4D97-AF65-F5344CB8AC3E}">
+        <p14:creationId xmlns:p14="http://schemas.microsoft.com/office/powerpoint/2010/main" val="4101614158"/>
+      </p:ext>
+    </p:extLst>
+  </p:cSld>
+  <p:clrMapOvr>
+    <a:masterClrMapping/>
+  </p:clrMapOvr>
+</p:sld>
+</file>
+
+<file path=ppt/slides/slide115.xml><?xml version="1.0" encoding="utf-8"?>
+<p:sld xmlns:a="http://schemas.openxmlformats.org/drawingml/2006/main" xmlns:r="http://schemas.openxmlformats.org/officeDocument/2006/relationships" xmlns:p="http://schemas.openxmlformats.org/presentationml/2006/main">
+  <p:cSld>
+    <p:spTree>
+      <p:nvGrpSpPr>
+        <p:cNvPr id="1" name="">
+          <a:extLst>
+            <a:ext uri="{FF2B5EF4-FFF2-40B4-BE49-F238E27FC236}">
+              <a16:creationId xmlns:a16="http://schemas.microsoft.com/office/drawing/2014/main" id="{2FED83AB-4E1A-0E4F-300B-135B62C12E78}"/>
+            </a:ext>
+          </a:extLst>
+        </p:cNvPr>
+        <p:cNvGrpSpPr/>
+        <p:nvPr/>
+      </p:nvGrpSpPr>
+      <p:grpSpPr>
+        <a:xfrm>
+          <a:off x="0" y="0"/>
+          <a:ext cx="0" cy="0"/>
+          <a:chOff x="0" y="0"/>
+          <a:chExt cx="0" cy="0"/>
+        </a:xfrm>
+      </p:grpSpPr>
+      <p:sp>
+        <p:nvSpPr>
+          <p:cNvPr id="2" name="Title 1">
+            <a:extLst>
+              <a:ext uri="{FF2B5EF4-FFF2-40B4-BE49-F238E27FC236}">
+                <a16:creationId xmlns:a16="http://schemas.microsoft.com/office/drawing/2014/main" id="{4550A131-A254-C0CB-18D1-68FE42A00EE5}"/>
+              </a:ext>
+            </a:extLst>
+          </p:cNvPr>
+          <p:cNvSpPr>
+            <a:spLocks noGrp="1"/>
+          </p:cNvSpPr>
+          <p:nvPr>
+            <p:ph type="title"/>
+          </p:nvPr>
+        </p:nvSpPr>
+        <p:spPr>
+          <a:xfrm>
+            <a:off x="838200" y="365125"/>
+            <a:ext cx="10515600" cy="916919"/>
+          </a:xfrm>
+        </p:spPr>
+        <p:txBody>
+          <a:bodyPr>
+            <a:noAutofit/>
+          </a:bodyPr>
+          <a:lstStyle/>
+          <a:p>
+            <a:r>
+              <a:rPr lang="en-US" b="1" dirty="0"/>
+              <a:t>DACA Deployment Stages: The Ascent</a:t>
+            </a:r>
+          </a:p>
+        </p:txBody>
+      </p:sp>
+      <p:sp>
+        <p:nvSpPr>
+          <p:cNvPr id="5" name="Content Placeholder 4">
+            <a:extLst>
+              <a:ext uri="{FF2B5EF4-FFF2-40B4-BE49-F238E27FC236}">
+                <a16:creationId xmlns:a16="http://schemas.microsoft.com/office/drawing/2014/main" id="{5C1E2703-27EF-055B-1A3C-DAF39A17AAB0}"/>
+              </a:ext>
+            </a:extLst>
+          </p:cNvPr>
+          <p:cNvSpPr>
+            <a:spLocks noGrp="1"/>
+          </p:cNvSpPr>
+          <p:nvPr>
+            <p:ph idx="1"/>
+          </p:nvPr>
+        </p:nvSpPr>
+        <p:spPr>
+          <a:xfrm>
+            <a:off x="838200" y="1282044"/>
+            <a:ext cx="10515600" cy="4894919"/>
+          </a:xfrm>
+        </p:spPr>
+        <p:txBody>
+          <a:bodyPr>
+            <a:normAutofit fontScale="85000" lnSpcReduction="20000"/>
+          </a:bodyPr>
+          <a:lstStyle/>
+          <a:p>
+            <a:pPr marL="0" indent="0">
+              <a:spcAft>
+                <a:spcPts val="1200"/>
+              </a:spcAft>
+              <a:buNone/>
+            </a:pPr>
+            <a:r>
+              <a:rPr lang="en-US" b="1" dirty="0">
+                <a:solidFill>
+                  <a:srgbClr val="C00000"/>
+                </a:solidFill>
+              </a:rPr>
+              <a:t>2. Prototyping: Free Deployment (</a:t>
+            </a:r>
+            <a:r>
+              <a:rPr lang="en-US" sz="3200" b="1" i="0" dirty="0">
+                <a:solidFill>
+                  <a:srgbClr val="C00000"/>
+                </a:solidFill>
+                <a:effectLst/>
+                <a:latin typeface="-apple-system"/>
+              </a:rPr>
+              <a:t>Discussion</a:t>
+            </a:r>
+            <a:r>
+              <a:rPr lang="en-US" sz="3600" b="1" i="0" dirty="0">
+                <a:solidFill>
+                  <a:srgbClr val="C00000"/>
+                </a:solidFill>
+                <a:effectLst/>
+                <a:latin typeface="-apple-system"/>
+              </a:rPr>
+              <a:t>:)</a:t>
+            </a:r>
+          </a:p>
+          <a:p>
+            <a:r>
+              <a:rPr lang="en-US" dirty="0"/>
+              <a:t>Hugging face docker space in completely (as of date), you can deploy as many as containers in it.</a:t>
+            </a:r>
+          </a:p>
+          <a:p>
+            <a:r>
+              <a:rPr lang="en-US" dirty="0"/>
+              <a:t>In hugging face docker space, container can handle up to 100 users.</a:t>
+            </a:r>
+          </a:p>
+          <a:p>
+            <a:r>
+              <a:rPr lang="en-US" dirty="0"/>
+              <a:t>On free tier, you can 2 CPUs and 8 to 16 GB ram. By spending 0.03 USD per hour, you can get 8 CPUs and 32 GB ram but it is for the situation when customer wants it to show their consumers.</a:t>
+            </a:r>
+          </a:p>
+          <a:p>
+            <a:r>
+              <a:rPr lang="en-US" dirty="0"/>
+              <a:t>For this you need </a:t>
+            </a:r>
+            <a:r>
+              <a:rPr lang="en-US" dirty="0" err="1"/>
+              <a:t>cron</a:t>
+            </a:r>
+            <a:r>
+              <a:rPr lang="en-US" dirty="0"/>
+              <a:t>-job as well, a </a:t>
+            </a:r>
+            <a:r>
+              <a:rPr lang="en-US" b="1" dirty="0" err="1"/>
+              <a:t>CronJob</a:t>
+            </a:r>
+            <a:r>
+              <a:rPr lang="en-US" dirty="0"/>
+              <a:t> in Kubernetes is a way to run a scheduled task (a job) at a specific time or interval — similar to the Linux </a:t>
+            </a:r>
+            <a:r>
+              <a:rPr lang="en-US" dirty="0" err="1"/>
+              <a:t>cron</a:t>
+            </a:r>
+            <a:r>
+              <a:rPr lang="en-US" dirty="0"/>
+              <a:t> system.</a:t>
+            </a:r>
+          </a:p>
+          <a:p>
+            <a:r>
+              <a:rPr lang="en-US" dirty="0"/>
+              <a:t>A </a:t>
+            </a:r>
+            <a:r>
+              <a:rPr lang="en-US" b="1" dirty="0" err="1"/>
+              <a:t>CronJob</a:t>
+            </a:r>
+            <a:r>
+              <a:rPr lang="en-US" dirty="0"/>
+              <a:t> is used to </a:t>
+            </a:r>
+            <a:r>
+              <a:rPr lang="en-US" b="1" dirty="0"/>
+              <a:t>automatically run a container at a scheduled time</a:t>
+            </a:r>
+            <a:r>
+              <a:rPr lang="en-US" dirty="0"/>
+              <a:t>, such as:</a:t>
+            </a:r>
+          </a:p>
+          <a:p>
+            <a:pPr lvl="1"/>
+            <a:r>
+              <a:rPr lang="en-US" dirty="0"/>
+              <a:t>Every hour</a:t>
+            </a:r>
+          </a:p>
+          <a:p>
+            <a:pPr lvl="1"/>
+            <a:r>
+              <a:rPr lang="en-US" dirty="0"/>
+              <a:t>Every day at midnight</a:t>
+            </a:r>
+          </a:p>
+          <a:p>
+            <a:pPr lvl="1"/>
+            <a:r>
+              <a:rPr lang="en-US" dirty="0"/>
+              <a:t>Every Monday at 8 AM</a:t>
+            </a:r>
+          </a:p>
+          <a:p>
+            <a:endParaRPr lang="en-US" dirty="0"/>
+          </a:p>
+        </p:txBody>
+      </p:sp>
+    </p:spTree>
+    <p:extLst>
+      <p:ext uri="{BB962C8B-B14F-4D97-AF65-F5344CB8AC3E}">
+        <p14:creationId xmlns:p14="http://schemas.microsoft.com/office/powerpoint/2010/main" val="1021117247"/>
+      </p:ext>
+    </p:extLst>
+  </p:cSld>
+  <p:clrMapOvr>
+    <a:masterClrMapping/>
+  </p:clrMapOvr>
+</p:sld>
+</file>
+
+<file path=ppt/slides/slide116.xml><?xml version="1.0" encoding="utf-8"?>
+<p:sld xmlns:a="http://schemas.openxmlformats.org/drawingml/2006/main" xmlns:r="http://schemas.openxmlformats.org/officeDocument/2006/relationships" xmlns:p="http://schemas.openxmlformats.org/presentationml/2006/main">
+  <p:cSld>
+    <p:spTree>
+      <p:nvGrpSpPr>
+        <p:cNvPr id="1" name="">
+          <a:extLst>
+            <a:ext uri="{FF2B5EF4-FFF2-40B4-BE49-F238E27FC236}">
+              <a16:creationId xmlns:a16="http://schemas.microsoft.com/office/drawing/2014/main" id="{2E58F4F2-C133-23BE-2935-BA23221B67CB}"/>
+            </a:ext>
+          </a:extLst>
+        </p:cNvPr>
+        <p:cNvGrpSpPr/>
+        <p:nvPr/>
+      </p:nvGrpSpPr>
+      <p:grpSpPr>
+        <a:xfrm>
+          <a:off x="0" y="0"/>
+          <a:ext cx="0" cy="0"/>
+          <a:chOff x="0" y="0"/>
+          <a:chExt cx="0" cy="0"/>
+        </a:xfrm>
+      </p:grpSpPr>
+      <p:sp>
+        <p:nvSpPr>
+          <p:cNvPr id="2" name="Title 1">
+            <a:extLst>
+              <a:ext uri="{FF2B5EF4-FFF2-40B4-BE49-F238E27FC236}">
+                <a16:creationId xmlns:a16="http://schemas.microsoft.com/office/drawing/2014/main" id="{83586F26-CA11-9BD9-C8A2-E71795CC4747}"/>
+              </a:ext>
+            </a:extLst>
+          </p:cNvPr>
+          <p:cNvSpPr>
+            <a:spLocks noGrp="1"/>
+          </p:cNvSpPr>
+          <p:nvPr>
+            <p:ph type="title"/>
+          </p:nvPr>
+        </p:nvSpPr>
+        <p:spPr>
+          <a:xfrm>
+            <a:off x="838200" y="365125"/>
+            <a:ext cx="10515600" cy="916919"/>
+          </a:xfrm>
+        </p:spPr>
+        <p:txBody>
+          <a:bodyPr>
+            <a:noAutofit/>
+          </a:bodyPr>
+          <a:lstStyle/>
+          <a:p>
+            <a:r>
+              <a:rPr lang="en-US" b="1" dirty="0"/>
+              <a:t>DACA Deployment Stages: The Ascent</a:t>
+            </a:r>
+          </a:p>
+        </p:txBody>
+      </p:sp>
+      <p:sp>
+        <p:nvSpPr>
+          <p:cNvPr id="5" name="Content Placeholder 4">
+            <a:extLst>
+              <a:ext uri="{FF2B5EF4-FFF2-40B4-BE49-F238E27FC236}">
+                <a16:creationId xmlns:a16="http://schemas.microsoft.com/office/drawing/2014/main" id="{0385FE81-3D9B-793F-60BA-A37C1A2D7AEA}"/>
+              </a:ext>
+            </a:extLst>
+          </p:cNvPr>
+          <p:cNvSpPr>
+            <a:spLocks noGrp="1"/>
+          </p:cNvSpPr>
+          <p:nvPr>
+            <p:ph idx="1"/>
+          </p:nvPr>
+        </p:nvSpPr>
+        <p:spPr>
+          <a:xfrm>
+            <a:off x="838200" y="1282044"/>
+            <a:ext cx="10515600" cy="4894919"/>
+          </a:xfrm>
+        </p:spPr>
+        <p:txBody>
+          <a:bodyPr>
+            <a:normAutofit fontScale="77500" lnSpcReduction="20000"/>
+          </a:bodyPr>
+          <a:lstStyle/>
+          <a:p>
+            <a:pPr marL="0" indent="0">
+              <a:spcAft>
+                <a:spcPts val="1200"/>
+              </a:spcAft>
+              <a:buNone/>
+            </a:pPr>
+            <a:r>
+              <a:rPr lang="en-US" b="1" dirty="0">
+                <a:solidFill>
+                  <a:srgbClr val="C00000"/>
+                </a:solidFill>
+              </a:rPr>
+              <a:t>2. Prototyping: Free Deployment (</a:t>
+            </a:r>
+            <a:r>
+              <a:rPr lang="en-US" sz="3200" b="1" i="0" dirty="0">
+                <a:solidFill>
+                  <a:srgbClr val="C00000"/>
+                </a:solidFill>
+                <a:effectLst/>
+                <a:latin typeface="-apple-system"/>
+              </a:rPr>
+              <a:t>Discussion</a:t>
+            </a:r>
+            <a:r>
+              <a:rPr lang="en-US" sz="3600" b="1" i="0" dirty="0">
+                <a:solidFill>
+                  <a:srgbClr val="C00000"/>
+                </a:solidFill>
+                <a:effectLst/>
+                <a:latin typeface="-apple-system"/>
+              </a:rPr>
+              <a:t>:)</a:t>
+            </a:r>
+          </a:p>
+          <a:p>
+            <a:r>
+              <a:rPr lang="en-US" b="1" dirty="0"/>
+              <a:t>Goal</a:t>
+            </a:r>
+            <a:r>
+              <a:rPr lang="en-US" dirty="0"/>
+              <a:t>: Test and validate with minimal cost.</a:t>
+            </a:r>
+          </a:p>
+          <a:p>
+            <a:r>
+              <a:rPr lang="en-US" b="1" dirty="0"/>
+              <a:t>Setup</a:t>
+            </a:r>
+            <a:r>
+              <a:rPr lang="en-US" dirty="0"/>
+              <a:t>:</a:t>
+            </a:r>
+          </a:p>
+          <a:p>
+            <a:pPr lvl="1">
+              <a:lnSpc>
+                <a:spcPct val="120000"/>
+              </a:lnSpc>
+            </a:pPr>
+            <a:r>
+              <a:rPr lang="en-US" b="1" dirty="0"/>
+              <a:t>Containers</a:t>
+            </a:r>
+            <a:r>
+              <a:rPr lang="en-US" dirty="0"/>
+              <a:t>: Deploy to Hugging Face Docker Spaces (free hosting, CI/CD). Both </a:t>
+            </a:r>
+            <a:r>
+              <a:rPr lang="en-US" dirty="0" err="1"/>
+              <a:t>FastAPI</a:t>
+            </a:r>
+            <a:r>
+              <a:rPr lang="en-US" dirty="0"/>
+              <a:t>, MCP Server, and A2A endpoints in containers.</a:t>
+            </a:r>
+          </a:p>
+          <a:p>
+            <a:pPr lvl="1">
+              <a:lnSpc>
+                <a:spcPct val="120000"/>
+              </a:lnSpc>
+            </a:pPr>
+            <a:r>
+              <a:rPr lang="en-US" b="1" dirty="0"/>
+              <a:t>LLM APIs</a:t>
+            </a:r>
+            <a:r>
+              <a:rPr lang="en-US" dirty="0"/>
+              <a:t>: Google Gemini (free tier), Responses API.</a:t>
+            </a:r>
+          </a:p>
+          <a:p>
+            <a:pPr lvl="1">
+              <a:lnSpc>
+                <a:spcPct val="120000"/>
+              </a:lnSpc>
+            </a:pPr>
+            <a:r>
+              <a:rPr lang="en-US" b="1" dirty="0"/>
+              <a:t>Messaging</a:t>
+            </a:r>
+            <a:r>
+              <a:rPr lang="en-US" dirty="0"/>
+              <a:t>: </a:t>
+            </a:r>
+            <a:r>
+              <a:rPr lang="en-US" dirty="0" err="1"/>
+              <a:t>CloudAMQP</a:t>
+            </a:r>
+            <a:r>
+              <a:rPr lang="en-US" dirty="0"/>
+              <a:t> RabbitMQ (free tier: 1M messages/month, 20 connections).</a:t>
+            </a:r>
+          </a:p>
+          <a:p>
+            <a:pPr lvl="1">
+              <a:lnSpc>
+                <a:spcPct val="120000"/>
+              </a:lnSpc>
+            </a:pPr>
+            <a:r>
+              <a:rPr lang="en-US" b="1" dirty="0"/>
+              <a:t>Scheduling</a:t>
+            </a:r>
+            <a:r>
+              <a:rPr lang="en-US" dirty="0"/>
+              <a:t>: </a:t>
+            </a:r>
+            <a:r>
+              <a:rPr lang="en-US" dirty="0">
+                <a:hlinkClick r:id="rId2"/>
+              </a:rPr>
+              <a:t>https://cron-job.org</a:t>
+            </a:r>
+            <a:r>
+              <a:rPr lang="en-US" dirty="0"/>
+              <a:t> (free online scheduler).</a:t>
+            </a:r>
+          </a:p>
+          <a:p>
+            <a:pPr lvl="1">
+              <a:lnSpc>
+                <a:spcPct val="120000"/>
+              </a:lnSpc>
+            </a:pPr>
+            <a:r>
+              <a:rPr lang="en-US" b="1" dirty="0"/>
+              <a:t>Database</a:t>
+            </a:r>
+            <a:r>
+              <a:rPr lang="en-US" dirty="0"/>
+              <a:t>: </a:t>
+            </a:r>
+            <a:r>
+              <a:rPr lang="en-US" dirty="0" err="1"/>
+              <a:t>CockroachDB</a:t>
+            </a:r>
+            <a:r>
+              <a:rPr lang="en-US" dirty="0"/>
+              <a:t> Serverless (free tier: 10 GiB, 50M RU/month).</a:t>
+            </a:r>
+          </a:p>
+          <a:p>
+            <a:pPr lvl="1">
+              <a:lnSpc>
+                <a:spcPct val="120000"/>
+              </a:lnSpc>
+            </a:pPr>
+            <a:r>
+              <a:rPr lang="en-US" b="1" dirty="0"/>
+              <a:t>In-Memory Store</a:t>
+            </a:r>
+            <a:r>
+              <a:rPr lang="en-US" dirty="0"/>
+              <a:t>: </a:t>
+            </a:r>
+            <a:r>
+              <a:rPr lang="en-US" dirty="0" err="1"/>
+              <a:t>Upstash</a:t>
+            </a:r>
+            <a:r>
+              <a:rPr lang="en-US" dirty="0"/>
+              <a:t> Redis (free tier: 10,000 commands/day, 256 MB).</a:t>
+            </a:r>
+          </a:p>
+          <a:p>
+            <a:pPr lvl="1">
+              <a:lnSpc>
+                <a:spcPct val="120000"/>
+              </a:lnSpc>
+            </a:pPr>
+            <a:r>
+              <a:rPr lang="en-US" b="1" dirty="0" err="1"/>
+              <a:t>Dapr</a:t>
+            </a:r>
+            <a:r>
+              <a:rPr lang="en-US" dirty="0"/>
+              <a:t>: Use </a:t>
+            </a:r>
+            <a:r>
+              <a:rPr lang="en-US" u="sng" dirty="0">
+                <a:hlinkClick r:id="rId3"/>
+              </a:rPr>
+              <a:t>Managed </a:t>
+            </a:r>
+            <a:r>
+              <a:rPr lang="en-US" u="sng" dirty="0" err="1">
+                <a:hlinkClick r:id="rId3"/>
+              </a:rPr>
+              <a:t>Dapr</a:t>
+            </a:r>
+            <a:r>
+              <a:rPr lang="en-US" u="sng" dirty="0">
+                <a:hlinkClick r:id="rId3"/>
+              </a:rPr>
+              <a:t> Service Catalyst by Diagrid</a:t>
+            </a:r>
+            <a:r>
+              <a:rPr lang="en-US" dirty="0"/>
+              <a:t> free-tier.</a:t>
+            </a:r>
+          </a:p>
+          <a:p>
+            <a:r>
+              <a:rPr lang="en-US" b="1" dirty="0"/>
+              <a:t>Scalability</a:t>
+            </a:r>
+            <a:r>
+              <a:rPr lang="en-US" dirty="0"/>
+              <a:t>: Limited by free tiers (10s-100s of users, 5-20 req/s).</a:t>
+            </a:r>
+          </a:p>
+          <a:p>
+            <a:r>
+              <a:rPr lang="en-US" b="1" dirty="0"/>
+              <a:t>Cost</a:t>
+            </a:r>
+            <a:r>
+              <a:rPr lang="en-US" dirty="0"/>
+              <a:t>: Fully free, but watch free tier limits (e.g., </a:t>
+            </a:r>
+            <a:r>
+              <a:rPr lang="en-US" dirty="0" err="1"/>
+              <a:t>Upstash’s</a:t>
+            </a:r>
+            <a:r>
+              <a:rPr lang="en-US" dirty="0"/>
+              <a:t> 7 req/min cap).</a:t>
+            </a:r>
+          </a:p>
+          <a:p>
+            <a:endParaRPr lang="en-US" dirty="0"/>
+          </a:p>
+        </p:txBody>
+      </p:sp>
+    </p:spTree>
+    <p:extLst>
+      <p:ext uri="{BB962C8B-B14F-4D97-AF65-F5344CB8AC3E}">
+        <p14:creationId xmlns:p14="http://schemas.microsoft.com/office/powerpoint/2010/main" val="3713714547"/>
+      </p:ext>
+    </p:extLst>
+  </p:cSld>
+  <p:clrMapOvr>
+    <a:masterClrMapping/>
+  </p:clrMapOvr>
+</p:sld>
+</file>
+
+<file path=ppt/slides/slide117.xml><?xml version="1.0" encoding="utf-8"?>
+<p:sld xmlns:a="http://schemas.openxmlformats.org/drawingml/2006/main" xmlns:r="http://schemas.openxmlformats.org/officeDocument/2006/relationships" xmlns:p="http://schemas.openxmlformats.org/presentationml/2006/main">
+  <p:cSld>
+    <p:spTree>
+      <p:nvGrpSpPr>
+        <p:cNvPr id="1" name="">
+          <a:extLst>
+            <a:ext uri="{FF2B5EF4-FFF2-40B4-BE49-F238E27FC236}">
+              <a16:creationId xmlns:a16="http://schemas.microsoft.com/office/drawing/2014/main" id="{BF023252-7624-23AB-C80C-88A3B4893134}"/>
+            </a:ext>
+          </a:extLst>
+        </p:cNvPr>
+        <p:cNvGrpSpPr/>
+        <p:nvPr/>
+      </p:nvGrpSpPr>
+      <p:grpSpPr>
+        <a:xfrm>
+          <a:off x="0" y="0"/>
+          <a:ext cx="0" cy="0"/>
+          <a:chOff x="0" y="0"/>
+          <a:chExt cx="0" cy="0"/>
+        </a:xfrm>
+      </p:grpSpPr>
+      <p:sp>
+        <p:nvSpPr>
+          <p:cNvPr id="2" name="Title 1">
+            <a:extLst>
+              <a:ext uri="{FF2B5EF4-FFF2-40B4-BE49-F238E27FC236}">
+                <a16:creationId xmlns:a16="http://schemas.microsoft.com/office/drawing/2014/main" id="{9E2262FD-F96B-B953-3F5B-1AD9E4CA9F06}"/>
+              </a:ext>
+            </a:extLst>
+          </p:cNvPr>
+          <p:cNvSpPr>
+            <a:spLocks noGrp="1"/>
+          </p:cNvSpPr>
+          <p:nvPr>
+            <p:ph type="title"/>
+          </p:nvPr>
+        </p:nvSpPr>
+        <p:spPr>
+          <a:xfrm>
+            <a:off x="838200" y="365125"/>
+            <a:ext cx="10515600" cy="916919"/>
+          </a:xfrm>
+        </p:spPr>
+        <p:txBody>
+          <a:bodyPr>
+            <a:noAutofit/>
+          </a:bodyPr>
+          <a:lstStyle/>
+          <a:p>
+            <a:r>
+              <a:rPr lang="en-US" b="1" dirty="0"/>
+              <a:t>DACA Deployment Stages: The Ascent</a:t>
+            </a:r>
+          </a:p>
+        </p:txBody>
+      </p:sp>
+      <p:sp>
+        <p:nvSpPr>
+          <p:cNvPr id="5" name="Content Placeholder 4">
+            <a:extLst>
+              <a:ext uri="{FF2B5EF4-FFF2-40B4-BE49-F238E27FC236}">
+                <a16:creationId xmlns:a16="http://schemas.microsoft.com/office/drawing/2014/main" id="{22E8A691-5539-4BDA-D51A-76431DDE57EA}"/>
+              </a:ext>
+            </a:extLst>
+          </p:cNvPr>
+          <p:cNvSpPr>
+            <a:spLocks noGrp="1"/>
+          </p:cNvSpPr>
+          <p:nvPr>
+            <p:ph idx="1"/>
+          </p:nvPr>
+        </p:nvSpPr>
+        <p:spPr>
+          <a:xfrm>
+            <a:off x="838200" y="1282044"/>
+            <a:ext cx="10515600" cy="5210831"/>
+          </a:xfrm>
+        </p:spPr>
+        <p:txBody>
+          <a:bodyPr>
+            <a:normAutofit fontScale="55000" lnSpcReduction="20000"/>
+          </a:bodyPr>
+          <a:lstStyle/>
+          <a:p>
+            <a:pPr marL="0" indent="0">
+              <a:spcAft>
+                <a:spcPts val="1200"/>
+              </a:spcAft>
+              <a:buNone/>
+            </a:pPr>
+            <a:r>
+              <a:rPr lang="en-US" sz="3800" b="1" dirty="0">
+                <a:solidFill>
+                  <a:srgbClr val="C00000"/>
+                </a:solidFill>
+              </a:rPr>
+              <a:t>3. Medium Enterprise Scale: Azure Container Apps (ACA) (</a:t>
+            </a:r>
+            <a:r>
+              <a:rPr lang="en-US" sz="3800" b="1" i="0" dirty="0">
+                <a:solidFill>
+                  <a:srgbClr val="C00000"/>
+                </a:solidFill>
+                <a:effectLst/>
+                <a:latin typeface="-apple-system"/>
+              </a:rPr>
+              <a:t>Discussion:)</a:t>
+            </a:r>
+          </a:p>
+          <a:p>
+            <a:r>
+              <a:rPr lang="en-US" sz="3800" dirty="0"/>
+              <a:t>Suppose customer said, there will be 1000 users landed on my app simultaneously, that will fall in medium enterprise scale</a:t>
+            </a:r>
+          </a:p>
+          <a:p>
+            <a:r>
+              <a:rPr lang="en-US" sz="3800" b="1" dirty="0"/>
+              <a:t>Goal</a:t>
+            </a:r>
+            <a:r>
+              <a:rPr lang="en-US" sz="3800" dirty="0"/>
+              <a:t>: Scale to thousands of users with cost efficiency.</a:t>
+            </a:r>
+          </a:p>
+          <a:p>
+            <a:r>
+              <a:rPr lang="en-US" sz="3800" b="1" dirty="0"/>
+              <a:t>Setup</a:t>
+            </a:r>
+            <a:r>
+              <a:rPr lang="en-US" sz="3800" dirty="0"/>
+              <a:t>:</a:t>
+            </a:r>
+          </a:p>
+          <a:p>
+            <a:pPr lvl="1">
+              <a:lnSpc>
+                <a:spcPct val="120000"/>
+              </a:lnSpc>
+            </a:pPr>
+            <a:r>
+              <a:rPr lang="en-US" sz="3100" b="1" dirty="0"/>
+              <a:t>Containers</a:t>
+            </a:r>
+            <a:r>
+              <a:rPr lang="en-US" sz="3100" dirty="0"/>
+              <a:t>: Deploy containers (</a:t>
+            </a:r>
+            <a:r>
+              <a:rPr lang="en-US" sz="3100" dirty="0" err="1"/>
+              <a:t>FastAPI</a:t>
+            </a:r>
+            <a:r>
+              <a:rPr lang="en-US" sz="3100" dirty="0"/>
+              <a:t> and MCP Servers) to ACA with </a:t>
+            </a:r>
+            <a:r>
+              <a:rPr lang="en-US" sz="3100" dirty="0" err="1"/>
+              <a:t>Dapr</a:t>
+            </a:r>
+            <a:r>
+              <a:rPr lang="en-US" sz="3100" dirty="0"/>
+              <a:t> support (via KEDA).</a:t>
+            </a:r>
+          </a:p>
+          <a:p>
+            <a:pPr lvl="1">
+              <a:lnSpc>
+                <a:spcPct val="120000"/>
+              </a:lnSpc>
+            </a:pPr>
+            <a:r>
+              <a:rPr lang="en-US" sz="3100" b="1" dirty="0"/>
+              <a:t>Scaling</a:t>
+            </a:r>
+            <a:r>
+              <a:rPr lang="en-US" sz="3100" dirty="0"/>
+              <a:t>: ACA’s free tier (180,000 vCPU-s, 360,000 GiB-s/month) supports ~1-2 always-on containers, auto-scales on HTTP traffic or KEDA triggers.</a:t>
+            </a:r>
+          </a:p>
+          <a:p>
+            <a:pPr lvl="1">
+              <a:lnSpc>
+                <a:spcPct val="120000"/>
+              </a:lnSpc>
+            </a:pPr>
+            <a:r>
+              <a:rPr lang="en-US" sz="3100" b="1" dirty="0"/>
+              <a:t>LLM APIs</a:t>
+            </a:r>
+            <a:r>
+              <a:rPr lang="en-US" sz="3100" dirty="0"/>
+              <a:t>: OpenAI Chat Completion, Responses API.</a:t>
+            </a:r>
+          </a:p>
+          <a:p>
+            <a:pPr lvl="1">
+              <a:lnSpc>
+                <a:spcPct val="120000"/>
+              </a:lnSpc>
+            </a:pPr>
+            <a:r>
+              <a:rPr lang="en-US" sz="3100" b="1" dirty="0"/>
+              <a:t>Messaging</a:t>
+            </a:r>
+            <a:r>
+              <a:rPr lang="en-US" sz="3100" dirty="0"/>
+              <a:t>: </a:t>
+            </a:r>
+            <a:r>
+              <a:rPr lang="en-US" sz="3100" dirty="0" err="1"/>
+              <a:t>CloudAMQP</a:t>
+            </a:r>
+            <a:r>
+              <a:rPr lang="en-US" sz="3100" dirty="0"/>
+              <a:t> RabbitMQ (paid tier if needed).</a:t>
+            </a:r>
+          </a:p>
+          <a:p>
+            <a:pPr lvl="1">
+              <a:lnSpc>
+                <a:spcPct val="120000"/>
+              </a:lnSpc>
+            </a:pPr>
+            <a:r>
+              <a:rPr lang="en-US" sz="3100" b="1" dirty="0"/>
+              <a:t>Scheduling</a:t>
+            </a:r>
+            <a:r>
+              <a:rPr lang="en-US" sz="3100" dirty="0"/>
+              <a:t>: ACA Jobs for scheduled tasks.</a:t>
+            </a:r>
+          </a:p>
+          <a:p>
+            <a:pPr lvl="1">
+              <a:lnSpc>
+                <a:spcPct val="120000"/>
+              </a:lnSpc>
+            </a:pPr>
+            <a:r>
+              <a:rPr lang="en-US" sz="3100" b="1" dirty="0"/>
+              <a:t>Database</a:t>
+            </a:r>
+            <a:r>
+              <a:rPr lang="en-US" sz="3100" dirty="0"/>
+              <a:t>: </a:t>
+            </a:r>
+            <a:r>
+              <a:rPr lang="en-US" sz="3100" dirty="0" err="1"/>
+              <a:t>CockroachDB</a:t>
+            </a:r>
+            <a:r>
+              <a:rPr lang="en-US" sz="3100" dirty="0"/>
+              <a:t> Serverless (scale to paid tier if needed).</a:t>
+            </a:r>
+          </a:p>
+          <a:p>
+            <a:pPr lvl="1">
+              <a:lnSpc>
+                <a:spcPct val="120000"/>
+              </a:lnSpc>
+            </a:pPr>
+            <a:r>
+              <a:rPr lang="en-US" sz="3100" b="1" dirty="0"/>
+              <a:t>In-Memory Store</a:t>
+            </a:r>
+            <a:r>
+              <a:rPr lang="en-US" sz="3100" dirty="0"/>
+              <a:t>: </a:t>
+            </a:r>
+            <a:r>
+              <a:rPr lang="en-US" sz="3100" dirty="0" err="1"/>
+              <a:t>Upstash</a:t>
+            </a:r>
+            <a:r>
+              <a:rPr lang="en-US" sz="3100" dirty="0"/>
+              <a:t> Redis (scale to paid tier if needed).</a:t>
+            </a:r>
+          </a:p>
+          <a:p>
+            <a:r>
+              <a:rPr lang="en-US" sz="3800" b="1" dirty="0"/>
+              <a:t>Scalability</a:t>
+            </a:r>
+            <a:r>
+              <a:rPr lang="en-US" sz="3800" dirty="0"/>
+              <a:t>: Thousands of users (e.g., 10,000 req/min), capped by OpenAI API limits (10,000 RPM = 166 req/s). Using Google Gemini will more economical.</a:t>
+            </a:r>
+          </a:p>
+          <a:p>
+            <a:r>
+              <a:rPr lang="en-US" sz="3800" b="1" dirty="0"/>
+              <a:t>Cost</a:t>
+            </a:r>
+            <a:r>
+              <a:rPr lang="en-US" sz="3800" dirty="0"/>
+              <a:t>: Free tier covers light traffic; paid tier ~$0.02/vCPU-s beyond that.</a:t>
+            </a:r>
+          </a:p>
+        </p:txBody>
+      </p:sp>
+    </p:spTree>
+    <p:extLst>
+      <p:ext uri="{BB962C8B-B14F-4D97-AF65-F5344CB8AC3E}">
+        <p14:creationId xmlns:p14="http://schemas.microsoft.com/office/powerpoint/2010/main" val="2183571490"/>
+      </p:ext>
+    </p:extLst>
+  </p:cSld>
+  <p:clrMapOvr>
+    <a:masterClrMapping/>
+  </p:clrMapOvr>
+</p:sld>
+</file>
+
+<file path=ppt/slides/slide118.xml><?xml version="1.0" encoding="utf-8"?>
+<p:sld xmlns:a="http://schemas.openxmlformats.org/drawingml/2006/main" xmlns:r="http://schemas.openxmlformats.org/officeDocument/2006/relationships" xmlns:p="http://schemas.openxmlformats.org/presentationml/2006/main">
+  <p:cSld>
+    <p:spTree>
+      <p:nvGrpSpPr>
+        <p:cNvPr id="1" name="">
+          <a:extLst>
+            <a:ext uri="{FF2B5EF4-FFF2-40B4-BE49-F238E27FC236}">
+              <a16:creationId xmlns:a16="http://schemas.microsoft.com/office/drawing/2014/main" id="{0EC5022E-1062-4DE8-57DC-D2F726FF7AAE}"/>
+            </a:ext>
+          </a:extLst>
+        </p:cNvPr>
+        <p:cNvGrpSpPr/>
+        <p:nvPr/>
+      </p:nvGrpSpPr>
+      <p:grpSpPr>
+        <a:xfrm>
+          <a:off x="0" y="0"/>
+          <a:ext cx="0" cy="0"/>
+          <a:chOff x="0" y="0"/>
+          <a:chExt cx="0" cy="0"/>
+        </a:xfrm>
+      </p:grpSpPr>
+      <p:sp>
+        <p:nvSpPr>
+          <p:cNvPr id="2" name="Title 1">
+            <a:extLst>
+              <a:ext uri="{FF2B5EF4-FFF2-40B4-BE49-F238E27FC236}">
+                <a16:creationId xmlns:a16="http://schemas.microsoft.com/office/drawing/2014/main" id="{CFEF8B14-DB27-6508-5E5B-B1BDBD7B226E}"/>
+              </a:ext>
+            </a:extLst>
+          </p:cNvPr>
+          <p:cNvSpPr>
+            <a:spLocks noGrp="1"/>
+          </p:cNvSpPr>
+          <p:nvPr>
+            <p:ph type="title"/>
+          </p:nvPr>
+        </p:nvSpPr>
+        <p:spPr>
+          <a:xfrm>
+            <a:off x="838200" y="365125"/>
+            <a:ext cx="10515600" cy="916919"/>
+          </a:xfrm>
+        </p:spPr>
+        <p:txBody>
+          <a:bodyPr>
+            <a:noAutofit/>
+          </a:bodyPr>
+          <a:lstStyle/>
+          <a:p>
+            <a:r>
+              <a:rPr lang="en-US" b="1" dirty="0"/>
+              <a:t>DACA Deployment Stages: The Ascent</a:t>
+            </a:r>
+          </a:p>
+        </p:txBody>
+      </p:sp>
+      <p:sp>
+        <p:nvSpPr>
+          <p:cNvPr id="5" name="Content Placeholder 4">
+            <a:extLst>
+              <a:ext uri="{FF2B5EF4-FFF2-40B4-BE49-F238E27FC236}">
+                <a16:creationId xmlns:a16="http://schemas.microsoft.com/office/drawing/2014/main" id="{DA556EA7-EF55-D749-1C42-00EBD8D3BC61}"/>
+              </a:ext>
+            </a:extLst>
+          </p:cNvPr>
+          <p:cNvSpPr>
+            <a:spLocks noGrp="1"/>
+          </p:cNvSpPr>
+          <p:nvPr>
+            <p:ph idx="1"/>
+          </p:nvPr>
+        </p:nvSpPr>
+        <p:spPr>
+          <a:xfrm>
+            <a:off x="838200" y="1282044"/>
+            <a:ext cx="10515600" cy="5210831"/>
+          </a:xfrm>
+        </p:spPr>
+        <p:txBody>
+          <a:bodyPr>
+            <a:normAutofit fontScale="70000" lnSpcReduction="20000"/>
+          </a:bodyPr>
+          <a:lstStyle/>
+          <a:p>
+            <a:pPr marL="0" indent="0">
+              <a:spcAft>
+                <a:spcPts val="1200"/>
+              </a:spcAft>
+              <a:buNone/>
+            </a:pPr>
+            <a:r>
+              <a:rPr lang="en-US" b="1" dirty="0">
+                <a:solidFill>
+                  <a:srgbClr val="C00000"/>
+                </a:solidFill>
+              </a:rPr>
+              <a:t>4. Planet-Scale: Kubernetes with Self-Hosted LLMs (</a:t>
+            </a:r>
+            <a:r>
+              <a:rPr lang="en-US" b="1" i="0" dirty="0">
+                <a:solidFill>
+                  <a:srgbClr val="C00000"/>
+                </a:solidFill>
+                <a:effectLst/>
+              </a:rPr>
+              <a:t>Discussion:)</a:t>
+            </a:r>
+            <a:endParaRPr lang="en-US" sz="3800" b="1" i="0" dirty="0">
+              <a:solidFill>
+                <a:srgbClr val="C00000"/>
+              </a:solidFill>
+              <a:effectLst/>
+            </a:endParaRPr>
+          </a:p>
+          <a:p>
+            <a:r>
+              <a:rPr lang="en-US" b="1" dirty="0"/>
+              <a:t>Goal</a:t>
+            </a:r>
+            <a:r>
+              <a:rPr lang="en-US" dirty="0"/>
+              <a:t>: Achieve planetary scale with no API limits.</a:t>
+            </a:r>
+          </a:p>
+          <a:p>
+            <a:r>
+              <a:rPr lang="en-US" b="1" dirty="0"/>
+              <a:t>Setup</a:t>
+            </a:r>
+            <a:r>
+              <a:rPr lang="en-US" dirty="0"/>
+              <a:t>:</a:t>
+            </a:r>
+          </a:p>
+          <a:p>
+            <a:pPr lvl="1">
+              <a:lnSpc>
+                <a:spcPct val="120000"/>
+              </a:lnSpc>
+              <a:spcBef>
+                <a:spcPts val="200"/>
+              </a:spcBef>
+              <a:spcAft>
+                <a:spcPts val="200"/>
+              </a:spcAft>
+            </a:pPr>
+            <a:r>
+              <a:rPr lang="en-US" b="1" dirty="0"/>
+              <a:t>Containers</a:t>
+            </a:r>
+            <a:r>
+              <a:rPr lang="en-US" dirty="0"/>
+              <a:t>: Kubernetes cluster (e.g., on Oracle Cloud’s free VMs: 2 AMD VMs or 4 Arm VMs). Both </a:t>
+            </a:r>
+            <a:r>
+              <a:rPr lang="en-US" dirty="0" err="1"/>
+              <a:t>FastAPIs</a:t>
+            </a:r>
+            <a:r>
+              <a:rPr lang="en-US" dirty="0"/>
+              <a:t> and MCP containers.</a:t>
+            </a:r>
+          </a:p>
+          <a:p>
+            <a:pPr lvl="1">
+              <a:lnSpc>
+                <a:spcPct val="120000"/>
+              </a:lnSpc>
+              <a:spcBef>
+                <a:spcPts val="200"/>
+              </a:spcBef>
+              <a:spcAft>
+                <a:spcPts val="200"/>
+              </a:spcAft>
+            </a:pPr>
+            <a:r>
+              <a:rPr lang="en-US" b="1" dirty="0"/>
+              <a:t>LLM APIs</a:t>
+            </a:r>
+            <a:r>
+              <a:rPr lang="en-US" dirty="0"/>
+              <a:t>: Self-hosted LLMs (e.g., </a:t>
+            </a:r>
+            <a:r>
+              <a:rPr lang="en-US" dirty="0" err="1"/>
+              <a:t>LLaMA</a:t>
+            </a:r>
+            <a:r>
+              <a:rPr lang="en-US" dirty="0"/>
+              <a:t>, Mistral) with OpenAI-compatible APIs (via </a:t>
+            </a:r>
+            <a:r>
+              <a:rPr lang="en-US" dirty="0" err="1"/>
+              <a:t>vLLM</a:t>
+            </a:r>
+            <a:r>
+              <a:rPr lang="en-US" dirty="0"/>
+              <a:t> or llama.cpp).</a:t>
+            </a:r>
+          </a:p>
+          <a:p>
+            <a:pPr lvl="1">
+              <a:lnSpc>
+                <a:spcPct val="120000"/>
+              </a:lnSpc>
+              <a:spcBef>
+                <a:spcPts val="200"/>
+              </a:spcBef>
+              <a:spcAft>
+                <a:spcPts val="200"/>
+              </a:spcAft>
+            </a:pPr>
+            <a:r>
+              <a:rPr lang="en-US" b="1" dirty="0"/>
+              <a:t>Messaging</a:t>
+            </a:r>
+            <a:r>
+              <a:rPr lang="en-US" dirty="0"/>
+              <a:t>: Kafka on Kubernetes (high-throughput, multi-broker).</a:t>
+            </a:r>
+          </a:p>
+          <a:p>
+            <a:pPr lvl="1">
+              <a:lnSpc>
+                <a:spcPct val="120000"/>
+              </a:lnSpc>
+              <a:spcBef>
+                <a:spcPts val="200"/>
+              </a:spcBef>
+              <a:spcAft>
+                <a:spcPts val="200"/>
+              </a:spcAft>
+            </a:pPr>
+            <a:r>
+              <a:rPr lang="en-US" b="1" dirty="0"/>
+              <a:t>Scheduling</a:t>
+            </a:r>
+            <a:r>
+              <a:rPr lang="en-US" dirty="0"/>
+              <a:t>: Kubernetes </a:t>
+            </a:r>
+            <a:r>
+              <a:rPr lang="en-US" dirty="0" err="1"/>
+              <a:t>CronJobs</a:t>
+            </a:r>
+            <a:r>
+              <a:rPr lang="en-US" dirty="0"/>
+              <a:t>.</a:t>
+            </a:r>
+          </a:p>
+          <a:p>
+            <a:pPr lvl="1">
+              <a:lnSpc>
+                <a:spcPct val="120000"/>
+              </a:lnSpc>
+              <a:spcBef>
+                <a:spcPts val="200"/>
+              </a:spcBef>
+              <a:spcAft>
+                <a:spcPts val="200"/>
+              </a:spcAft>
+            </a:pPr>
+            <a:r>
+              <a:rPr lang="en-US" b="1" dirty="0"/>
+              <a:t>Database</a:t>
+            </a:r>
+            <a:r>
+              <a:rPr lang="en-US" dirty="0"/>
+              <a:t>: Postgres on Kubernetes.</a:t>
+            </a:r>
+          </a:p>
+          <a:p>
+            <a:pPr lvl="1">
+              <a:lnSpc>
+                <a:spcPct val="120000"/>
+              </a:lnSpc>
+              <a:spcBef>
+                <a:spcPts val="200"/>
+              </a:spcBef>
+              <a:spcAft>
+                <a:spcPts val="200"/>
+              </a:spcAft>
+            </a:pPr>
+            <a:r>
+              <a:rPr lang="en-US" b="1" dirty="0"/>
+              <a:t>In-Memory Store</a:t>
+            </a:r>
+            <a:r>
+              <a:rPr lang="en-US" dirty="0"/>
+              <a:t>: Redis on Kubernetes.</a:t>
+            </a:r>
+          </a:p>
+          <a:p>
+            <a:pPr lvl="1">
+              <a:lnSpc>
+                <a:spcPct val="120000"/>
+              </a:lnSpc>
+              <a:spcBef>
+                <a:spcPts val="200"/>
+              </a:spcBef>
+              <a:spcAft>
+                <a:spcPts val="200"/>
+              </a:spcAft>
+            </a:pPr>
+            <a:r>
+              <a:rPr lang="en-US" b="1" dirty="0" err="1"/>
+              <a:t>Dapr</a:t>
+            </a:r>
+            <a:r>
+              <a:rPr lang="en-US" dirty="0"/>
+              <a:t>: Deployed on Kubernetes for cluster-wide resilience.</a:t>
+            </a:r>
+          </a:p>
+          <a:p>
+            <a:pPr>
+              <a:lnSpc>
+                <a:spcPct val="120000"/>
+              </a:lnSpc>
+            </a:pPr>
+            <a:r>
+              <a:rPr lang="en-US" b="1" dirty="0"/>
+              <a:t>Training</a:t>
+            </a:r>
+            <a:r>
+              <a:rPr lang="en-US" dirty="0"/>
+              <a:t>: Use Oracle Cloud’s free tier to train </a:t>
+            </a:r>
+            <a:r>
+              <a:rPr lang="en-US" dirty="0" err="1"/>
+              <a:t>devs</a:t>
+            </a:r>
+            <a:r>
+              <a:rPr lang="en-US" dirty="0"/>
+              <a:t> on Kubernetes DevOps, ensuring skills for any cloud (AWS, GCP, Azure).</a:t>
+            </a:r>
+          </a:p>
+          <a:p>
+            <a:pPr>
+              <a:lnSpc>
+                <a:spcPct val="120000"/>
+              </a:lnSpc>
+            </a:pPr>
+            <a:r>
+              <a:rPr lang="en-US" b="1" dirty="0"/>
+              <a:t>Scalability</a:t>
+            </a:r>
+            <a:r>
+              <a:rPr lang="en-US" dirty="0"/>
+              <a:t>: Millions of users (e.g., 10,000 req/s on 10 nodes with GPUs), limited by cluster size.</a:t>
+            </a:r>
+          </a:p>
+          <a:p>
+            <a:pPr>
+              <a:lnSpc>
+                <a:spcPct val="120000"/>
+              </a:lnSpc>
+            </a:pPr>
+            <a:r>
+              <a:rPr lang="en-US" b="1" dirty="0"/>
+              <a:t>Cost</a:t>
+            </a:r>
+            <a:r>
+              <a:rPr lang="en-US" dirty="0"/>
+              <a:t>: Compute-focused ($1-2/hour/node), no API fees.</a:t>
+            </a:r>
+          </a:p>
+        </p:txBody>
+      </p:sp>
+    </p:spTree>
+    <p:extLst>
+      <p:ext uri="{BB962C8B-B14F-4D97-AF65-F5344CB8AC3E}">
+        <p14:creationId xmlns:p14="http://schemas.microsoft.com/office/powerpoint/2010/main" val="2512628140"/>
       </p:ext>
     </p:extLst>
   </p:cSld>
